--- a/Григорян_Г_З_доклад.pptx
+++ b/Григорян_Г_З_доклад.pptx
@@ -178,7 +178,7 @@
           </a:lstStyle>
           <a:p>
             <a:r>
-              <a:rPr lang="ru-RU" smtClean="0"/>
+              <a:rPr lang="ru-RU"/>
               <a:t>Образец заголовка</a:t>
             </a:r>
             <a:endParaRPr lang="en-US" dirty="0"/>
@@ -243,7 +243,7 @@
           </a:lstStyle>
           <a:p>
             <a:r>
-              <a:rPr lang="ru-RU" smtClean="0"/>
+              <a:rPr lang="ru-RU"/>
               <a:t>Образец подзаголовка</a:t>
             </a:r>
             <a:endParaRPr lang="en-US" dirty="0"/>
@@ -267,7 +267,7 @@
           <a:p>
             <a:fld id="{BB1BAFFE-3D47-48CA-80C3-DAF2EDAED0ED}" type="datetimeFigureOut">
               <a:rPr lang="ru-RU" smtClean="0"/>
-              <a:t>15.06.2022</a:t>
+              <a:t>16.06.2022</a:t>
             </a:fld>
             <a:endParaRPr lang="ru-RU"/>
           </a:p>
@@ -361,7 +361,7 @@
           <a:lstStyle/>
           <a:p>
             <a:r>
-              <a:rPr lang="ru-RU" smtClean="0"/>
+              <a:rPr lang="ru-RU"/>
               <a:t>Образец заголовка</a:t>
             </a:r>
             <a:endParaRPr lang="en-US" dirty="0"/>
@@ -385,35 +385,35 @@
           <a:p>
             <a:pPr lvl="0"/>
             <a:r>
-              <a:rPr lang="ru-RU" smtClean="0"/>
+              <a:rPr lang="ru-RU"/>
               <a:t>Образец текста</a:t>
             </a:r>
           </a:p>
           <a:p>
             <a:pPr lvl="1"/>
             <a:r>
-              <a:rPr lang="ru-RU" smtClean="0"/>
+              <a:rPr lang="ru-RU"/>
               <a:t>Второй уровень</a:t>
             </a:r>
           </a:p>
           <a:p>
             <a:pPr lvl="2"/>
             <a:r>
-              <a:rPr lang="ru-RU" smtClean="0"/>
+              <a:rPr lang="ru-RU"/>
               <a:t>Третий уровень</a:t>
             </a:r>
           </a:p>
           <a:p>
             <a:pPr lvl="3"/>
             <a:r>
-              <a:rPr lang="ru-RU" smtClean="0"/>
+              <a:rPr lang="ru-RU"/>
               <a:t>Четвертый уровень</a:t>
             </a:r>
           </a:p>
           <a:p>
             <a:pPr lvl="4"/>
             <a:r>
-              <a:rPr lang="ru-RU" smtClean="0"/>
+              <a:rPr lang="ru-RU"/>
               <a:t>Пятый уровень</a:t>
             </a:r>
             <a:endParaRPr lang="en-US" dirty="0"/>
@@ -437,7 +437,7 @@
           <a:p>
             <a:fld id="{BB1BAFFE-3D47-48CA-80C3-DAF2EDAED0ED}" type="datetimeFigureOut">
               <a:rPr lang="ru-RU" smtClean="0"/>
-              <a:t>15.06.2022</a:t>
+              <a:t>16.06.2022</a:t>
             </a:fld>
             <a:endParaRPr lang="ru-RU"/>
           </a:p>
@@ -536,7 +536,7 @@
           <a:lstStyle/>
           <a:p>
             <a:r>
-              <a:rPr lang="ru-RU" smtClean="0"/>
+              <a:rPr lang="ru-RU"/>
               <a:t>Образец заголовка</a:t>
             </a:r>
             <a:endParaRPr lang="en-US" dirty="0"/>
@@ -565,35 +565,35 @@
           <a:p>
             <a:pPr lvl="0"/>
             <a:r>
-              <a:rPr lang="ru-RU" smtClean="0"/>
+              <a:rPr lang="ru-RU"/>
               <a:t>Образец текста</a:t>
             </a:r>
           </a:p>
           <a:p>
             <a:pPr lvl="1"/>
             <a:r>
-              <a:rPr lang="ru-RU" smtClean="0"/>
+              <a:rPr lang="ru-RU"/>
               <a:t>Второй уровень</a:t>
             </a:r>
           </a:p>
           <a:p>
             <a:pPr lvl="2"/>
             <a:r>
-              <a:rPr lang="ru-RU" smtClean="0"/>
+              <a:rPr lang="ru-RU"/>
               <a:t>Третий уровень</a:t>
             </a:r>
           </a:p>
           <a:p>
             <a:pPr lvl="3"/>
             <a:r>
-              <a:rPr lang="ru-RU" smtClean="0"/>
+              <a:rPr lang="ru-RU"/>
               <a:t>Четвертый уровень</a:t>
             </a:r>
           </a:p>
           <a:p>
             <a:pPr lvl="4"/>
             <a:r>
-              <a:rPr lang="ru-RU" smtClean="0"/>
+              <a:rPr lang="ru-RU"/>
               <a:t>Пятый уровень</a:t>
             </a:r>
             <a:endParaRPr lang="en-US" dirty="0"/>
@@ -617,7 +617,7 @@
           <a:p>
             <a:fld id="{BB1BAFFE-3D47-48CA-80C3-DAF2EDAED0ED}" type="datetimeFigureOut">
               <a:rPr lang="ru-RU" smtClean="0"/>
-              <a:t>15.06.2022</a:t>
+              <a:t>16.06.2022</a:t>
             </a:fld>
             <a:endParaRPr lang="ru-RU"/>
           </a:p>
@@ -711,7 +711,7 @@
           <a:lstStyle/>
           <a:p>
             <a:r>
-              <a:rPr lang="ru-RU" smtClean="0"/>
+              <a:rPr lang="ru-RU"/>
               <a:t>Образец заголовка</a:t>
             </a:r>
             <a:endParaRPr lang="en-US" dirty="0"/>
@@ -735,35 +735,35 @@
           <a:p>
             <a:pPr lvl="0"/>
             <a:r>
-              <a:rPr lang="ru-RU" smtClean="0"/>
+              <a:rPr lang="ru-RU"/>
               <a:t>Образец текста</a:t>
             </a:r>
           </a:p>
           <a:p>
             <a:pPr lvl="1"/>
             <a:r>
-              <a:rPr lang="ru-RU" smtClean="0"/>
+              <a:rPr lang="ru-RU"/>
               <a:t>Второй уровень</a:t>
             </a:r>
           </a:p>
           <a:p>
             <a:pPr lvl="2"/>
             <a:r>
-              <a:rPr lang="ru-RU" smtClean="0"/>
+              <a:rPr lang="ru-RU"/>
               <a:t>Третий уровень</a:t>
             </a:r>
           </a:p>
           <a:p>
             <a:pPr lvl="3"/>
             <a:r>
-              <a:rPr lang="ru-RU" smtClean="0"/>
+              <a:rPr lang="ru-RU"/>
               <a:t>Четвертый уровень</a:t>
             </a:r>
           </a:p>
           <a:p>
             <a:pPr lvl="4"/>
             <a:r>
-              <a:rPr lang="ru-RU" smtClean="0"/>
+              <a:rPr lang="ru-RU"/>
               <a:t>Пятый уровень</a:t>
             </a:r>
             <a:endParaRPr lang="en-US" dirty="0"/>
@@ -787,7 +787,7 @@
           <a:p>
             <a:fld id="{BB1BAFFE-3D47-48CA-80C3-DAF2EDAED0ED}" type="datetimeFigureOut">
               <a:rPr lang="ru-RU" smtClean="0"/>
-              <a:t>15.06.2022</a:t>
+              <a:t>16.06.2022</a:t>
             </a:fld>
             <a:endParaRPr lang="ru-RU"/>
           </a:p>
@@ -890,7 +890,7 @@
           </a:lstStyle>
           <a:p>
             <a:r>
-              <a:rPr lang="ru-RU" smtClean="0"/>
+              <a:rPr lang="ru-RU"/>
               <a:t>Образец заголовка</a:t>
             </a:r>
             <a:endParaRPr lang="en-US" dirty="0"/>
@@ -1008,7 +1008,7 @@
           <a:p>
             <a:pPr lvl="0"/>
             <a:r>
-              <a:rPr lang="ru-RU" smtClean="0"/>
+              <a:rPr lang="ru-RU"/>
               <a:t>Образец текста</a:t>
             </a:r>
           </a:p>
@@ -1031,7 +1031,7 @@
           <a:p>
             <a:fld id="{BB1BAFFE-3D47-48CA-80C3-DAF2EDAED0ED}" type="datetimeFigureOut">
               <a:rPr lang="ru-RU" smtClean="0"/>
-              <a:t>15.06.2022</a:t>
+              <a:t>16.06.2022</a:t>
             </a:fld>
             <a:endParaRPr lang="ru-RU"/>
           </a:p>
@@ -1125,7 +1125,7 @@
           <a:lstStyle/>
           <a:p>
             <a:r>
-              <a:rPr lang="ru-RU" smtClean="0"/>
+              <a:rPr lang="ru-RU"/>
               <a:t>Образец заголовка</a:t>
             </a:r>
             <a:endParaRPr lang="en-US" dirty="0"/>
@@ -1154,35 +1154,35 @@
           <a:p>
             <a:pPr lvl="0"/>
             <a:r>
-              <a:rPr lang="ru-RU" smtClean="0"/>
+              <a:rPr lang="ru-RU"/>
               <a:t>Образец текста</a:t>
             </a:r>
           </a:p>
           <a:p>
             <a:pPr lvl="1"/>
             <a:r>
-              <a:rPr lang="ru-RU" smtClean="0"/>
+              <a:rPr lang="ru-RU"/>
               <a:t>Второй уровень</a:t>
             </a:r>
           </a:p>
           <a:p>
             <a:pPr lvl="2"/>
             <a:r>
-              <a:rPr lang="ru-RU" smtClean="0"/>
+              <a:rPr lang="ru-RU"/>
               <a:t>Третий уровень</a:t>
             </a:r>
           </a:p>
           <a:p>
             <a:pPr lvl="3"/>
             <a:r>
-              <a:rPr lang="ru-RU" smtClean="0"/>
+              <a:rPr lang="ru-RU"/>
               <a:t>Четвертый уровень</a:t>
             </a:r>
           </a:p>
           <a:p>
             <a:pPr lvl="4"/>
             <a:r>
-              <a:rPr lang="ru-RU" smtClean="0"/>
+              <a:rPr lang="ru-RU"/>
               <a:t>Пятый уровень</a:t>
             </a:r>
             <a:endParaRPr lang="en-US" dirty="0"/>
@@ -1211,35 +1211,35 @@
           <a:p>
             <a:pPr lvl="0"/>
             <a:r>
-              <a:rPr lang="ru-RU" smtClean="0"/>
+              <a:rPr lang="ru-RU"/>
               <a:t>Образец текста</a:t>
             </a:r>
           </a:p>
           <a:p>
             <a:pPr lvl="1"/>
             <a:r>
-              <a:rPr lang="ru-RU" smtClean="0"/>
+              <a:rPr lang="ru-RU"/>
               <a:t>Второй уровень</a:t>
             </a:r>
           </a:p>
           <a:p>
             <a:pPr lvl="2"/>
             <a:r>
-              <a:rPr lang="ru-RU" smtClean="0"/>
+              <a:rPr lang="ru-RU"/>
               <a:t>Третий уровень</a:t>
             </a:r>
           </a:p>
           <a:p>
             <a:pPr lvl="3"/>
             <a:r>
-              <a:rPr lang="ru-RU" smtClean="0"/>
+              <a:rPr lang="ru-RU"/>
               <a:t>Четвертый уровень</a:t>
             </a:r>
           </a:p>
           <a:p>
             <a:pPr lvl="4"/>
             <a:r>
-              <a:rPr lang="ru-RU" smtClean="0"/>
+              <a:rPr lang="ru-RU"/>
               <a:t>Пятый уровень</a:t>
             </a:r>
             <a:endParaRPr lang="en-US" dirty="0"/>
@@ -1263,7 +1263,7 @@
           <a:p>
             <a:fld id="{BB1BAFFE-3D47-48CA-80C3-DAF2EDAED0ED}" type="datetimeFigureOut">
               <a:rPr lang="ru-RU" smtClean="0"/>
-              <a:t>15.06.2022</a:t>
+              <a:t>16.06.2022</a:t>
             </a:fld>
             <a:endParaRPr lang="ru-RU"/>
           </a:p>
@@ -1362,7 +1362,7 @@
           <a:lstStyle/>
           <a:p>
             <a:r>
-              <a:rPr lang="ru-RU" smtClean="0"/>
+              <a:rPr lang="ru-RU"/>
               <a:t>Образец заголовка</a:t>
             </a:r>
             <a:endParaRPr lang="en-US" dirty="0"/>
@@ -1428,7 +1428,7 @@
           <a:p>
             <a:pPr lvl="0"/>
             <a:r>
-              <a:rPr lang="ru-RU" smtClean="0"/>
+              <a:rPr lang="ru-RU"/>
               <a:t>Образец текста</a:t>
             </a:r>
           </a:p>
@@ -1456,35 +1456,35 @@
           <a:p>
             <a:pPr lvl="0"/>
             <a:r>
-              <a:rPr lang="ru-RU" smtClean="0"/>
+              <a:rPr lang="ru-RU"/>
               <a:t>Образец текста</a:t>
             </a:r>
           </a:p>
           <a:p>
             <a:pPr lvl="1"/>
             <a:r>
-              <a:rPr lang="ru-RU" smtClean="0"/>
+              <a:rPr lang="ru-RU"/>
               <a:t>Второй уровень</a:t>
             </a:r>
           </a:p>
           <a:p>
             <a:pPr lvl="2"/>
             <a:r>
-              <a:rPr lang="ru-RU" smtClean="0"/>
+              <a:rPr lang="ru-RU"/>
               <a:t>Третий уровень</a:t>
             </a:r>
           </a:p>
           <a:p>
             <a:pPr lvl="3"/>
             <a:r>
-              <a:rPr lang="ru-RU" smtClean="0"/>
+              <a:rPr lang="ru-RU"/>
               <a:t>Четвертый уровень</a:t>
             </a:r>
           </a:p>
           <a:p>
             <a:pPr lvl="4"/>
             <a:r>
-              <a:rPr lang="ru-RU" smtClean="0"/>
+              <a:rPr lang="ru-RU"/>
               <a:t>Пятый уровень</a:t>
             </a:r>
             <a:endParaRPr lang="en-US" dirty="0"/>
@@ -1550,7 +1550,7 @@
           <a:p>
             <a:pPr lvl="0"/>
             <a:r>
-              <a:rPr lang="ru-RU" smtClean="0"/>
+              <a:rPr lang="ru-RU"/>
               <a:t>Образец текста</a:t>
             </a:r>
           </a:p>
@@ -1578,35 +1578,35 @@
           <a:p>
             <a:pPr lvl="0"/>
             <a:r>
-              <a:rPr lang="ru-RU" smtClean="0"/>
+              <a:rPr lang="ru-RU"/>
               <a:t>Образец текста</a:t>
             </a:r>
           </a:p>
           <a:p>
             <a:pPr lvl="1"/>
             <a:r>
-              <a:rPr lang="ru-RU" smtClean="0"/>
+              <a:rPr lang="ru-RU"/>
               <a:t>Второй уровень</a:t>
             </a:r>
           </a:p>
           <a:p>
             <a:pPr lvl="2"/>
             <a:r>
-              <a:rPr lang="ru-RU" smtClean="0"/>
+              <a:rPr lang="ru-RU"/>
               <a:t>Третий уровень</a:t>
             </a:r>
           </a:p>
           <a:p>
             <a:pPr lvl="3"/>
             <a:r>
-              <a:rPr lang="ru-RU" smtClean="0"/>
+              <a:rPr lang="ru-RU"/>
               <a:t>Четвертый уровень</a:t>
             </a:r>
           </a:p>
           <a:p>
             <a:pPr lvl="4"/>
             <a:r>
-              <a:rPr lang="ru-RU" smtClean="0"/>
+              <a:rPr lang="ru-RU"/>
               <a:t>Пятый уровень</a:t>
             </a:r>
             <a:endParaRPr lang="en-US" dirty="0"/>
@@ -1630,7 +1630,7 @@
           <a:p>
             <a:fld id="{BB1BAFFE-3D47-48CA-80C3-DAF2EDAED0ED}" type="datetimeFigureOut">
               <a:rPr lang="ru-RU" smtClean="0"/>
-              <a:t>15.06.2022</a:t>
+              <a:t>16.06.2022</a:t>
             </a:fld>
             <a:endParaRPr lang="ru-RU"/>
           </a:p>
@@ -1724,7 +1724,7 @@
           <a:lstStyle/>
           <a:p>
             <a:r>
-              <a:rPr lang="ru-RU" smtClean="0"/>
+              <a:rPr lang="ru-RU"/>
               <a:t>Образец заголовка</a:t>
             </a:r>
             <a:endParaRPr lang="en-US" dirty="0"/>
@@ -1748,7 +1748,7 @@
           <a:p>
             <a:fld id="{BB1BAFFE-3D47-48CA-80C3-DAF2EDAED0ED}" type="datetimeFigureOut">
               <a:rPr lang="ru-RU" smtClean="0"/>
-              <a:t>15.06.2022</a:t>
+              <a:t>16.06.2022</a:t>
             </a:fld>
             <a:endParaRPr lang="ru-RU"/>
           </a:p>
@@ -1843,7 +1843,7 @@
           <a:p>
             <a:fld id="{BB1BAFFE-3D47-48CA-80C3-DAF2EDAED0ED}" type="datetimeFigureOut">
               <a:rPr lang="ru-RU" smtClean="0"/>
-              <a:t>15.06.2022</a:t>
+              <a:t>16.06.2022</a:t>
             </a:fld>
             <a:endParaRPr lang="ru-RU"/>
           </a:p>
@@ -1946,7 +1946,7 @@
           </a:lstStyle>
           <a:p>
             <a:r>
-              <a:rPr lang="ru-RU" smtClean="0"/>
+              <a:rPr lang="ru-RU"/>
               <a:t>Образец заголовка</a:t>
             </a:r>
             <a:endParaRPr lang="en-US" dirty="0"/>
@@ -2003,35 +2003,35 @@
           <a:p>
             <a:pPr lvl="0"/>
             <a:r>
-              <a:rPr lang="ru-RU" smtClean="0"/>
+              <a:rPr lang="ru-RU"/>
               <a:t>Образец текста</a:t>
             </a:r>
           </a:p>
           <a:p>
             <a:pPr lvl="1"/>
             <a:r>
-              <a:rPr lang="ru-RU" smtClean="0"/>
+              <a:rPr lang="ru-RU"/>
               <a:t>Второй уровень</a:t>
             </a:r>
           </a:p>
           <a:p>
             <a:pPr lvl="2"/>
             <a:r>
-              <a:rPr lang="ru-RU" smtClean="0"/>
+              <a:rPr lang="ru-RU"/>
               <a:t>Третий уровень</a:t>
             </a:r>
           </a:p>
           <a:p>
             <a:pPr lvl="3"/>
             <a:r>
-              <a:rPr lang="ru-RU" smtClean="0"/>
+              <a:rPr lang="ru-RU"/>
               <a:t>Четвертый уровень</a:t>
             </a:r>
           </a:p>
           <a:p>
             <a:pPr lvl="4"/>
             <a:r>
-              <a:rPr lang="ru-RU" smtClean="0"/>
+              <a:rPr lang="ru-RU"/>
               <a:t>Пятый уровень</a:t>
             </a:r>
             <a:endParaRPr lang="en-US" dirty="0"/>
@@ -2097,7 +2097,7 @@
           <a:p>
             <a:pPr lvl="0"/>
             <a:r>
-              <a:rPr lang="ru-RU" smtClean="0"/>
+              <a:rPr lang="ru-RU"/>
               <a:t>Образец текста</a:t>
             </a:r>
           </a:p>
@@ -2120,7 +2120,7 @@
           <a:p>
             <a:fld id="{BB1BAFFE-3D47-48CA-80C3-DAF2EDAED0ED}" type="datetimeFigureOut">
               <a:rPr lang="ru-RU" smtClean="0"/>
-              <a:t>15.06.2022</a:t>
+              <a:t>16.06.2022</a:t>
             </a:fld>
             <a:endParaRPr lang="ru-RU"/>
           </a:p>
@@ -2223,7 +2223,7 @@
           </a:lstStyle>
           <a:p>
             <a:r>
-              <a:rPr lang="ru-RU" smtClean="0"/>
+              <a:rPr lang="ru-RU"/>
               <a:t>Образец заголовка</a:t>
             </a:r>
             <a:endParaRPr lang="en-US" dirty="0"/>
@@ -2288,7 +2288,7 @@
           </a:lstStyle>
           <a:p>
             <a:r>
-              <a:rPr lang="ru-RU" smtClean="0"/>
+              <a:rPr lang="ru-RU"/>
               <a:t>Вставка рисунка</a:t>
             </a:r>
             <a:endParaRPr lang="en-US" dirty="0"/>
@@ -2354,7 +2354,7 @@
           <a:p>
             <a:pPr lvl="0"/>
             <a:r>
-              <a:rPr lang="ru-RU" smtClean="0"/>
+              <a:rPr lang="ru-RU"/>
               <a:t>Образец текста</a:t>
             </a:r>
           </a:p>
@@ -2377,7 +2377,7 @@
           <a:p>
             <a:fld id="{BB1BAFFE-3D47-48CA-80C3-DAF2EDAED0ED}" type="datetimeFigureOut">
               <a:rPr lang="ru-RU" smtClean="0"/>
-              <a:t>15.06.2022</a:t>
+              <a:t>16.06.2022</a:t>
             </a:fld>
             <a:endParaRPr lang="ru-RU"/>
           </a:p>
@@ -2486,7 +2486,7 @@
           <a:lstStyle/>
           <a:p>
             <a:r>
-              <a:rPr lang="ru-RU" smtClean="0"/>
+              <a:rPr lang="ru-RU"/>
               <a:t>Образец заголовка</a:t>
             </a:r>
             <a:endParaRPr lang="en-US" dirty="0"/>
@@ -2520,35 +2520,35 @@
           <a:p>
             <a:pPr lvl="0"/>
             <a:r>
-              <a:rPr lang="ru-RU" smtClean="0"/>
+              <a:rPr lang="ru-RU"/>
               <a:t>Образец текста</a:t>
             </a:r>
           </a:p>
           <a:p>
             <a:pPr lvl="1"/>
             <a:r>
-              <a:rPr lang="ru-RU" smtClean="0"/>
+              <a:rPr lang="ru-RU"/>
               <a:t>Второй уровень</a:t>
             </a:r>
           </a:p>
           <a:p>
             <a:pPr lvl="2"/>
             <a:r>
-              <a:rPr lang="ru-RU" smtClean="0"/>
+              <a:rPr lang="ru-RU"/>
               <a:t>Третий уровень</a:t>
             </a:r>
           </a:p>
           <a:p>
             <a:pPr lvl="3"/>
             <a:r>
-              <a:rPr lang="ru-RU" smtClean="0"/>
+              <a:rPr lang="ru-RU"/>
               <a:t>Четвертый уровень</a:t>
             </a:r>
           </a:p>
           <a:p>
             <a:pPr lvl="4"/>
             <a:r>
-              <a:rPr lang="ru-RU" smtClean="0"/>
+              <a:rPr lang="ru-RU"/>
               <a:t>Пятый уровень</a:t>
             </a:r>
             <a:endParaRPr lang="en-US" dirty="0"/>
@@ -2590,7 +2590,7 @@
           <a:p>
             <a:fld id="{BB1BAFFE-3D47-48CA-80C3-DAF2EDAED0ED}" type="datetimeFigureOut">
               <a:rPr lang="ru-RU" smtClean="0"/>
-              <a:t>15.06.2022</a:t>
+              <a:t>16.06.2022</a:t>
             </a:fld>
             <a:endParaRPr lang="ru-RU"/>
           </a:p>
@@ -3056,13 +3056,6 @@
               </a:rPr>
               <a:t>в задачах DATA MINING</a:t>
             </a:r>
-            <a:r>
-              <a:rPr lang="ru-RU" sz="2400" dirty="0">
-                <a:latin typeface="Times New Roman" panose="02020603050405020304" pitchFamily="18" charset="0"/>
-                <a:ea typeface="Times New Roman" panose="02020603050405020304" pitchFamily="18" charset="0"/>
-              </a:rPr>
-              <a:t/>
-            </a:r>
             <a:br>
               <a:rPr lang="ru-RU" sz="2400" dirty="0">
                 <a:latin typeface="Times New Roman" panose="02020603050405020304" pitchFamily="18" charset="0"/>
@@ -3375,8 +3368,8 @@
           </a:prstGeom>
         </p:spPr>
       </p:pic>
-      <mc:AlternateContent xmlns:mc="http://schemas.openxmlformats.org/markup-compatibility/2006">
-        <mc:Choice xmlns:a14="http://schemas.microsoft.com/office/drawing/2010/main" Requires="a14">
+      <mc:AlternateContent xmlns:mc="http://schemas.openxmlformats.org/markup-compatibility/2006" xmlns:a14="http://schemas.microsoft.com/office/drawing/2010/main">
+        <mc:Choice Requires="a14">
           <p:sp>
             <p:nvSpPr>
               <p:cNvPr id="6" name="TextBox 5">
@@ -3514,7 +3507,7 @@
             </p:txBody>
           </p:sp>
         </mc:Choice>
-        <mc:Fallback>
+        <mc:Fallback xmlns="">
           <p:sp>
             <p:nvSpPr>
               <p:cNvPr id="6" name="TextBox 5">
@@ -4463,19 +4456,7 @@
               <a:rPr lang="ru-RU" sz="1800" dirty="0">
                 <a:ea typeface="Times New Roman" panose="02020603050405020304" pitchFamily="18" charset="0"/>
               </a:rPr>
-              <a:t> </a:t>
-            </a:r>
-            <a:r>
-              <a:rPr lang="ru-RU" sz="1800" dirty="0" smtClean="0">
-                <a:ea typeface="Times New Roman" panose="02020603050405020304" pitchFamily="18" charset="0"/>
-              </a:rPr>
-              <a:t>реализован метод </a:t>
-            </a:r>
-            <a:r>
-              <a:rPr lang="ru-RU" sz="1800" dirty="0">
-                <a:ea typeface="Times New Roman" panose="02020603050405020304" pitchFamily="18" charset="0"/>
-              </a:rPr>
-              <a:t>Главных Компонент.</a:t>
+              <a:t> реализован метод Главных Компонент.</a:t>
             </a:r>
           </a:p>
           <a:p>
@@ -4487,16 +4468,10 @@
               <a:buAutoNum type="arabicPeriod"/>
             </a:pPr>
             <a:r>
-              <a:rPr lang="ru-RU" sz="1800" dirty="0" smtClean="0">
-                <a:ea typeface="Times New Roman" panose="02020603050405020304" pitchFamily="18" charset="0"/>
-              </a:rPr>
-              <a:t>Применен метод </a:t>
-            </a:r>
-            <a:r>
               <a:rPr lang="ru-RU" sz="1800" dirty="0">
                 <a:ea typeface="Times New Roman" panose="02020603050405020304" pitchFamily="18" charset="0"/>
               </a:rPr>
-              <a:t>Главных Компонент.</a:t>
+              <a:t>Применен метод Главных Компонент.</a:t>
             </a:r>
           </a:p>
           <a:p>
@@ -4967,8 +4942,8 @@
           </a:p>
         </p:txBody>
       </p:sp>
-      <mc:AlternateContent xmlns:mc="http://schemas.openxmlformats.org/markup-compatibility/2006">
-        <mc:Choice xmlns:a14="http://schemas.microsoft.com/office/drawing/2010/main" Requires="a14">
+      <mc:AlternateContent xmlns:mc="http://schemas.openxmlformats.org/markup-compatibility/2006" xmlns:a14="http://schemas.microsoft.com/office/drawing/2010/main">
+        <mc:Choice Requires="a14">
           <p:sp>
             <p:nvSpPr>
               <p:cNvPr id="4" name="TextBox 3">
@@ -5298,7 +5273,7 @@
             </p:txBody>
           </p:sp>
         </mc:Choice>
-        <mc:Fallback>
+        <mc:Fallback xmlns="">
           <p:sp>
             <p:nvSpPr>
               <p:cNvPr id="4" name="TextBox 3">
@@ -5343,8 +5318,8 @@
           </p:sp>
         </mc:Fallback>
       </mc:AlternateContent>
-      <mc:AlternateContent xmlns:mc="http://schemas.openxmlformats.org/markup-compatibility/2006">
-        <mc:Choice xmlns:a14="http://schemas.microsoft.com/office/drawing/2010/main" Requires="a14">
+      <mc:AlternateContent xmlns:mc="http://schemas.openxmlformats.org/markup-compatibility/2006" xmlns:a14="http://schemas.microsoft.com/office/drawing/2010/main">
+        <mc:Choice Requires="a14">
           <p:sp>
             <p:nvSpPr>
               <p:cNvPr id="5" name="TextBox 4">
@@ -5774,7 +5749,7 @@
             </p:txBody>
           </p:sp>
         </mc:Choice>
-        <mc:Fallback>
+        <mc:Fallback xmlns="">
           <p:sp>
             <p:nvSpPr>
               <p:cNvPr id="5" name="TextBox 4">
@@ -5923,12 +5898,8 @@
               <a:t>фич</a:t>
             </a:r>
             <a:r>
-              <a:rPr lang="ru-RU" dirty="0" smtClean="0"/>
+              <a:rPr lang="ru-RU" dirty="0"/>
               <a:t>.</a:t>
-            </a:r>
-            <a:r>
-              <a:rPr lang="ru-RU" dirty="0"/>
-              <a:t/>
             </a:r>
             <a:br>
               <a:rPr lang="ru-RU" dirty="0"/>
@@ -5942,15 +5913,7 @@
             </a:pPr>
             <a:r>
               <a:rPr lang="ru-RU" dirty="0"/>
-              <a:t>Получение нового набора данных</a:t>
-            </a:r>
-            <a:r>
-              <a:rPr lang="ru-RU" dirty="0" smtClean="0"/>
-              <a:t>.</a:t>
-            </a:r>
-            <a:r>
-              <a:rPr lang="ru-RU" dirty="0"/>
-              <a:t/>
+              <a:t>Получение нового набора данных.</a:t>
             </a:r>
             <a:br>
               <a:rPr lang="ru-RU" dirty="0"/>
@@ -6024,8 +5987,8 @@
           </a:p>
         </p:txBody>
       </p:sp>
-      <mc:AlternateContent xmlns:mc="http://schemas.openxmlformats.org/markup-compatibility/2006">
-        <mc:Choice xmlns:a14="http://schemas.microsoft.com/office/drawing/2010/main" Requires="a14">
+      <mc:AlternateContent xmlns:mc="http://schemas.openxmlformats.org/markup-compatibility/2006" xmlns:a14="http://schemas.microsoft.com/office/drawing/2010/main">
+        <mc:Choice Requires="a14">
           <p:sp>
             <p:nvSpPr>
               <p:cNvPr id="4" name="TextBox 3">
@@ -6182,7 +6145,7 @@
             </p:txBody>
           </p:sp>
         </mc:Choice>
-        <mc:Fallback>
+        <mc:Fallback xmlns="">
           <p:sp>
             <p:nvSpPr>
               <p:cNvPr id="4" name="TextBox 3">
@@ -6227,8 +6190,8 @@
           </p:sp>
         </mc:Fallback>
       </mc:AlternateContent>
-      <mc:AlternateContent xmlns:mc="http://schemas.openxmlformats.org/markup-compatibility/2006">
-        <mc:Choice xmlns:a14="http://schemas.microsoft.com/office/drawing/2010/main" Requires="a14">
+      <mc:AlternateContent xmlns:mc="http://schemas.openxmlformats.org/markup-compatibility/2006" xmlns:a14="http://schemas.microsoft.com/office/drawing/2010/main">
+        <mc:Choice Requires="a14">
           <p:sp>
             <p:nvSpPr>
               <p:cNvPr id="5" name="TextBox 4">
@@ -6302,7 +6265,7 @@
             </p:txBody>
           </p:sp>
         </mc:Choice>
-        <mc:Fallback>
+        <mc:Fallback xmlns="">
           <p:sp>
             <p:nvSpPr>
               <p:cNvPr id="5" name="TextBox 4">
@@ -6347,8 +6310,8 @@
           </p:sp>
         </mc:Fallback>
       </mc:AlternateContent>
-      <mc:AlternateContent xmlns:mc="http://schemas.openxmlformats.org/markup-compatibility/2006">
-        <mc:Choice xmlns:a14="http://schemas.microsoft.com/office/drawing/2010/main" Requires="a14">
+      <mc:AlternateContent xmlns:mc="http://schemas.openxmlformats.org/markup-compatibility/2006" xmlns:a14="http://schemas.microsoft.com/office/drawing/2010/main">
+        <mc:Choice Requires="a14">
           <p:sp>
             <p:nvSpPr>
               <p:cNvPr id="6" name="TextBox 5">
@@ -6434,7 +6397,7 @@
             </p:txBody>
           </p:sp>
         </mc:Choice>
-        <mc:Fallback>
+        <mc:Fallback xmlns="">
           <p:sp>
             <p:nvSpPr>
               <p:cNvPr id="6" name="TextBox 5">
@@ -6537,8 +6500,8 @@
           </a:p>
         </p:txBody>
       </p:sp>
-      <mc:AlternateContent xmlns:mc="http://schemas.openxmlformats.org/markup-compatibility/2006">
-        <mc:Choice xmlns:a14="http://schemas.microsoft.com/office/drawing/2010/main" Requires="a14">
+      <mc:AlternateContent xmlns:mc="http://schemas.openxmlformats.org/markup-compatibility/2006" xmlns:a14="http://schemas.microsoft.com/office/drawing/2010/main">
+        <mc:Choice Requires="a14">
           <p:sp>
             <p:nvSpPr>
               <p:cNvPr id="3" name="Объект 2">
@@ -6940,7 +6903,7 @@
             </p:txBody>
           </p:sp>
         </mc:Choice>
-        <mc:Fallback>
+        <mc:Fallback xmlns="">
           <p:sp>
             <p:nvSpPr>
               <p:cNvPr id="3" name="Объект 2">
@@ -8265,18 +8228,18 @@
 </file>
 
 <file path=customXml/item2.xml><?xml version="1.0" encoding="utf-8"?>
-<p:properties xmlns:p="http://schemas.microsoft.com/office/2006/metadata/properties" xmlns:xsi="http://www.w3.org/2001/XMLSchema-instance" xmlns:pc="http://schemas.microsoft.com/office/infopath/2007/PartnerControls">
-  <documentManagement/>
-</p:properties>
-</file>
-
-<file path=customXml/item3.xml><?xml version="1.0" encoding="utf-8"?>
 <?mso-contentType ?>
 <FormTemplates xmlns="http://schemas.microsoft.com/sharepoint/v3/contenttype/forms">
   <Display>DocumentLibraryForm</Display>
   <Edit>DocumentLibraryForm</Edit>
   <New>DocumentLibraryForm</New>
 </FormTemplates>
+</file>
+
+<file path=customXml/item3.xml><?xml version="1.0" encoding="utf-8"?>
+<p:properties xmlns:p="http://schemas.microsoft.com/office/2006/metadata/properties" xmlns:xsi="http://www.w3.org/2001/XMLSchema-instance" xmlns:pc="http://schemas.microsoft.com/office/infopath/2007/PartnerControls">
+  <documentManagement/>
+</p:properties>
 </file>
 
 <file path=customXml/itemProps1.xml><?xml version="1.0" encoding="utf-8"?>
@@ -8299,6 +8262,14 @@
 </file>
 
 <file path=customXml/itemProps2.xml><?xml version="1.0" encoding="utf-8"?>
+<ds:datastoreItem xmlns:ds="http://schemas.openxmlformats.org/officeDocument/2006/customXml" ds:itemID="{7BE5294E-A539-497E-85B9-BF0418242AED}">
+  <ds:schemaRefs>
+    <ds:schemaRef ds:uri="http://schemas.microsoft.com/sharepoint/v3/contenttype/forms"/>
+  </ds:schemaRefs>
+</ds:datastoreItem>
+</file>
+
+<file path=customXml/itemProps3.xml><?xml version="1.0" encoding="utf-8"?>
 <ds:datastoreItem xmlns:ds="http://schemas.openxmlformats.org/officeDocument/2006/customXml" ds:itemID="{4568D298-1746-4D32-B9EA-2AAFD2B73436}">
   <ds:schemaRefs>
     <ds:schemaRef ds:uri="http://purl.org/dc/elements/1.1/"/>
@@ -8313,12 +8284,4 @@
     <ds:schemaRef ds:uri="http://purl.org/dc/terms/"/>
   </ds:schemaRefs>
 </ds:datastoreItem>
-</file>
-
-<file path=customXml/itemProps3.xml><?xml version="1.0" encoding="utf-8"?>
-<ds:datastoreItem xmlns:ds="http://schemas.openxmlformats.org/officeDocument/2006/customXml" ds:itemID="{7BE5294E-A539-497E-85B9-BF0418242AED}">
-  <ds:schemaRefs>
-    <ds:schemaRef ds:uri="http://schemas.microsoft.com/sharepoint/v3/contenttype/forms"/>
-  </ds:schemaRefs>
-</ds:datastoreItem>
 </file>